--- a/slides/lec15-ch23-design-metrics.pptx
+++ b/slides/lec15-ch23-design-metrics.pptx
@@ -7449,7 +7449,7 @@
               <a:defRPr/>
             </a:pPr>
             <a:r>
-              <a:rPr lang="en-US" altLang="ko-KR">
+              <a:rPr lang="en-US" altLang="ko-KR" dirty="0">
                 <a:latin typeface="Arial" charset="0"/>
                 <a:ea typeface="굴림" pitchFamily="50" charset="-127"/>
                 <a:cs typeface="Arial" charset="0"/>
@@ -7457,7 +7457,7 @@
               <a:t>These metrics examine the analysis model with the intent of predicting the “</a:t>
             </a:r>
             <a:r>
-              <a:rPr lang="en-US" altLang="ko-KR">
+              <a:rPr lang="en-US" altLang="ko-KR" dirty="0">
                 <a:solidFill>
                   <a:srgbClr val="FF0000"/>
                 </a:solidFill>
@@ -7468,7 +7468,7 @@
               <a:t>size</a:t>
             </a:r>
             <a:r>
-              <a:rPr lang="en-US" altLang="ko-KR">
+              <a:rPr lang="en-US" altLang="ko-KR" dirty="0">
                 <a:latin typeface="Arial" charset="0"/>
                 <a:ea typeface="굴림" pitchFamily="50" charset="-127"/>
                 <a:cs typeface="Arial" charset="0"/>
@@ -7481,15 +7481,15 @@
               <a:defRPr/>
             </a:pPr>
             <a:r>
-              <a:rPr lang="en-US" altLang="ko-KR">
+              <a:rPr lang="en-US" altLang="ko-KR" dirty="0">
                 <a:latin typeface="Arial" charset="0"/>
                 <a:ea typeface="굴림" pitchFamily="50" charset="-127"/>
                 <a:cs typeface="Arial" charset="0"/>
               </a:rPr>
-              <a:t>Size can be one indicator of </a:t>
-            </a:r>
-            <a:r>
-              <a:rPr lang="en-US" altLang="ko-KR">
+              <a:t>Size can be an indicator of </a:t>
+            </a:r>
+            <a:r>
+              <a:rPr lang="en-US" altLang="ko-KR" dirty="0">
                 <a:solidFill>
                   <a:srgbClr val="FF0000"/>
                 </a:solidFill>
@@ -7505,15 +7505,31 @@
               <a:defRPr/>
             </a:pPr>
             <a:r>
-              <a:rPr lang="en-US" altLang="ko-KR">
+              <a:rPr lang="en-US" altLang="ko-KR" dirty="0">
                 <a:latin typeface="Arial" charset="0"/>
                 <a:ea typeface="굴림" pitchFamily="50" charset="-127"/>
                 <a:cs typeface="Arial" charset="0"/>
               </a:rPr>
-              <a:t>Size can always an indicator of </a:t>
-            </a:r>
-            <a:r>
-              <a:rPr lang="en-US" altLang="ko-KR">
+              <a:t>Size can be</a:t>
+            </a:r>
+            <a:r>
+              <a:rPr lang="ko-KR" altLang="en-US" dirty="0">
+                <a:latin typeface="Arial" charset="0"/>
+                <a:ea typeface="굴림" pitchFamily="50" charset="-127"/>
+                <a:cs typeface="Arial" charset="0"/>
+              </a:rPr>
+              <a:t> </a:t>
+            </a:r>
+            <a:r>
+              <a:rPr lang="en-US" altLang="ko-KR" dirty="0">
+                <a:latin typeface="Arial" charset="0"/>
+                <a:ea typeface="굴림" pitchFamily="50" charset="-127"/>
+                <a:cs typeface="Arial" charset="0"/>
+              </a:rPr>
+              <a:t>an indicator of </a:t>
+            </a:r>
+            <a:r>
+              <a:rPr lang="en-US" altLang="ko-KR" dirty="0">
                 <a:solidFill>
                   <a:srgbClr val="FF0000"/>
                 </a:solidFill>
@@ -7529,7 +7545,7 @@
               <a:defRPr/>
             </a:pPr>
             <a:r>
-              <a:rPr lang="en-US" altLang="ko-KR">
+              <a:rPr lang="en-US" altLang="ko-KR" dirty="0">
                 <a:latin typeface="Arial" charset="0"/>
                 <a:ea typeface="굴림" pitchFamily="50" charset="-127"/>
                 <a:cs typeface="Arial" charset="0"/>
@@ -7542,7 +7558,7 @@
               <a:defRPr/>
             </a:pPr>
             <a:r>
-              <a:rPr lang="en-US" altLang="ko-KR">
+              <a:rPr lang="en-US" altLang="ko-KR" dirty="0">
                 <a:latin typeface="Arial" charset="0"/>
                 <a:ea typeface="굴림" pitchFamily="50" charset="-127"/>
                 <a:cs typeface="Arial" charset="0"/>
@@ -7555,14 +7571,14 @@
               <a:defRPr/>
             </a:pPr>
             <a:r>
-              <a:rPr lang="en-US" altLang="ko-KR">
+              <a:rPr lang="en-US" altLang="ko-KR" dirty="0">
                 <a:latin typeface="Arial" charset="0"/>
                 <a:ea typeface="굴림" pitchFamily="50" charset="-127"/>
                 <a:cs typeface="Arial" charset="0"/>
               </a:rPr>
               <a:t>Metrics for specification quality</a:t>
             </a:r>
-            <a:endParaRPr lang="ko-KR" altLang="en-US">
+            <a:endParaRPr lang="ko-KR" altLang="en-US" dirty="0">
               <a:latin typeface="Arial" charset="0"/>
               <a:ea typeface="굴림" pitchFamily="50" charset="-127"/>
               <a:cs typeface="Arial" charset="0"/>
@@ -7852,7 +7868,7 @@
                 <a:ea typeface="굴림" pitchFamily="50" charset="-127"/>
                 <a:cs typeface="Arial" pitchFamily="34" charset="0"/>
               </a:rPr>
-              <a:t>number of external inputs (EIs) </a:t>
+              <a:t># of external inputs (EIs) </a:t>
             </a:r>
           </a:p>
           <a:p>
@@ -7884,7 +7900,7 @@
                 <a:ea typeface="굴림" pitchFamily="50" charset="-127"/>
                 <a:cs typeface="Arial" pitchFamily="34" charset="0"/>
               </a:rPr>
-              <a:t>number of external outputs (EOs)</a:t>
+              <a:t># of external outputs (EOs)</a:t>
             </a:r>
           </a:p>
           <a:p>
@@ -7900,7 +7916,7 @@
                 <a:ea typeface="굴림" pitchFamily="50" charset="-127"/>
                 <a:cs typeface="Arial" pitchFamily="34" charset="0"/>
               </a:rPr>
-              <a:t>number of external inquiries (EQs)</a:t>
+              <a:t># of external inquiries (EQs)</a:t>
             </a:r>
           </a:p>
           <a:p>
@@ -7916,7 +7932,7 @@
                 <a:ea typeface="굴림" pitchFamily="50" charset="-127"/>
                 <a:cs typeface="Arial" pitchFamily="34" charset="0"/>
               </a:rPr>
-              <a:t>number of internal logical files (ILFs)</a:t>
+              <a:t># of internal logical files (ILFs)</a:t>
             </a:r>
           </a:p>
           <a:p>
@@ -7932,7 +7948,7 @@
                 <a:ea typeface="굴림" pitchFamily="50" charset="-127"/>
                 <a:cs typeface="Arial" pitchFamily="34" charset="0"/>
               </a:rPr>
-              <a:t>Number of external interface files (EIFs) (</a:t>
+              <a:t># of external interface files (EIFs)</a:t>
             </a:r>
           </a:p>
           <a:p>
@@ -11597,7 +11613,7 @@
                 <a:defRPr/>
               </a:pPr>
               <a:r>
-                <a:rPr lang="en-US" altLang="ko-KR" sz="2400" b="0">
+                <a:rPr lang="en-US" altLang="ko-KR" sz="2400" b="0" dirty="0">
                   <a:solidFill>
                     <a:srgbClr val="FF9933"/>
                   </a:solidFill>
@@ -11610,7 +11626,7 @@
                 </a:rPr>
                 <a:t>a</a:t>
               </a:r>
-              <a:endParaRPr lang="en-US" altLang="ko-KR">
+              <a:endParaRPr lang="en-US" altLang="ko-KR" dirty="0">
                 <a:solidFill>
                   <a:srgbClr val="FF9933"/>
                 </a:solidFill>
@@ -13078,7 +13094,7 @@
                 <a:defRPr/>
               </a:pPr>
               <a:r>
-                <a:rPr lang="en-US" altLang="ko-KR" sz="2400" b="0">
+                <a:rPr lang="en-US" altLang="ko-KR" sz="2400" b="0" dirty="0" err="1">
                   <a:solidFill>
                     <a:srgbClr val="FF9933"/>
                   </a:solidFill>
@@ -13091,7 +13107,7 @@
                 </a:rPr>
                 <a:t>i</a:t>
               </a:r>
-              <a:endParaRPr lang="en-US" altLang="ko-KR">
+              <a:endParaRPr lang="en-US" altLang="ko-KR" dirty="0">
                 <a:solidFill>
                   <a:srgbClr val="FF9933"/>
                 </a:solidFill>
@@ -14376,7 +14392,7 @@
                 <a:defRPr/>
               </a:pPr>
               <a:r>
-                <a:rPr lang="en-US" altLang="ko-KR" sz="2400" b="0">
+                <a:rPr lang="en-US" altLang="ko-KR" sz="2400" b="0" dirty="0">
                   <a:solidFill>
                     <a:srgbClr val="FF9933"/>
                   </a:solidFill>
@@ -14389,7 +14405,7 @@
                 </a:rPr>
                 <a:t>b</a:t>
               </a:r>
-              <a:endParaRPr lang="en-US" altLang="ko-KR">
+              <a:endParaRPr lang="en-US" altLang="ko-KR" dirty="0">
                 <a:solidFill>
                   <a:srgbClr val="FF9933"/>
                 </a:solidFill>
@@ -15552,7 +15568,7 @@
                 <a:defRPr/>
               </a:pPr>
               <a:r>
-                <a:rPr lang="en-US" altLang="ko-KR" sz="2400" b="0">
+                <a:rPr lang="en-US" altLang="ko-KR" sz="2400" b="0" dirty="0">
                   <a:solidFill>
                     <a:srgbClr val="FF9933"/>
                   </a:solidFill>
@@ -15565,7 +15581,7 @@
                 </a:rPr>
                 <a:t>r</a:t>
               </a:r>
-              <a:endParaRPr lang="en-US" altLang="ko-KR">
+              <a:endParaRPr lang="en-US" altLang="ko-KR" dirty="0">
                 <a:solidFill>
                   <a:srgbClr val="FF9933"/>
                 </a:solidFill>
@@ -16972,7 +16988,7 @@
                 <a:defRPr/>
               </a:pPr>
               <a:r>
-                <a:rPr lang="en-US" altLang="ko-KR" sz="2400" b="0">
+                <a:rPr lang="en-US" altLang="ko-KR" sz="2400" b="0" dirty="0">
                   <a:solidFill>
                     <a:srgbClr val="FF9933"/>
                   </a:solidFill>
@@ -16985,7 +17001,7 @@
                 </a:rPr>
                 <a:t>s</a:t>
               </a:r>
-              <a:endParaRPr lang="en-US" altLang="ko-KR">
+              <a:endParaRPr lang="en-US" altLang="ko-KR" dirty="0">
                 <a:solidFill>
                   <a:srgbClr val="FF9933"/>
                 </a:solidFill>
@@ -18758,7 +18774,7 @@
                 <a:defRPr/>
               </a:pPr>
               <a:r>
-                <a:rPr lang="en-US" altLang="ko-KR" sz="2400" b="0">
+                <a:rPr lang="en-US" altLang="ko-KR" sz="2400" b="0" dirty="0">
                   <a:solidFill>
                     <a:srgbClr val="FF9933"/>
                   </a:solidFill>
@@ -18771,7 +18787,7 @@
                 </a:rPr>
                 <a:t>o</a:t>
               </a:r>
-              <a:endParaRPr lang="en-US" altLang="ko-KR">
+              <a:endParaRPr lang="en-US" altLang="ko-KR" dirty="0">
                 <a:solidFill>
                   <a:srgbClr val="FF9933"/>
                 </a:solidFill>
@@ -20544,7 +20560,7 @@
                 <a:defRPr/>
               </a:pPr>
               <a:r>
-                <a:rPr lang="en-US" altLang="ko-KR" sz="2400" b="0">
+                <a:rPr lang="en-US" altLang="ko-KR" sz="2400" b="0" dirty="0">
                   <a:solidFill>
                     <a:srgbClr val="FF9933"/>
                   </a:solidFill>
@@ -20557,7 +20573,7 @@
                 </a:rPr>
                 <a:t>n</a:t>
               </a:r>
-              <a:endParaRPr lang="en-US" altLang="ko-KR">
+              <a:endParaRPr lang="en-US" altLang="ko-KR" dirty="0">
                 <a:solidFill>
                   <a:srgbClr val="FF9933"/>
                 </a:solidFill>
@@ -21781,7 +21797,7 @@
                 <a:defRPr/>
               </a:pPr>
               <a:r>
-                <a:rPr lang="en-US" altLang="ko-KR" sz="2400" b="0">
+                <a:rPr lang="en-US" altLang="ko-KR" sz="2400" b="0" dirty="0">
                   <a:solidFill>
                     <a:srgbClr val="FF9933"/>
                   </a:solidFill>
@@ -21794,7 +21810,7 @@
                 </a:rPr>
                 <a:t>b</a:t>
               </a:r>
-              <a:endParaRPr lang="en-US" altLang="ko-KR">
+              <a:endParaRPr lang="en-US" altLang="ko-KR" dirty="0">
                 <a:solidFill>
                   <a:srgbClr val="FF9933"/>
                 </a:solidFill>
@@ -23018,7 +23034,7 @@
                 <a:defRPr/>
               </a:pPr>
               <a:r>
-                <a:rPr lang="en-US" altLang="ko-KR" sz="2400" b="0">
+                <a:rPr lang="en-US" altLang="ko-KR" sz="2400" b="0" dirty="0">
                   <a:solidFill>
                     <a:srgbClr val="FF9933"/>
                   </a:solidFill>
@@ -23031,7 +23047,7 @@
                 </a:rPr>
                 <a:t>c</a:t>
               </a:r>
-              <a:endParaRPr lang="en-US" altLang="ko-KR">
+              <a:endParaRPr lang="en-US" altLang="ko-KR" dirty="0">
                 <a:solidFill>
                   <a:srgbClr val="FF9933"/>
                 </a:solidFill>
@@ -24133,7 +24149,7 @@
                 <a:defRPr/>
               </a:pPr>
               <a:r>
-                <a:rPr lang="en-US" altLang="ko-KR" sz="2400" b="0">
+                <a:rPr lang="en-US" altLang="ko-KR" sz="2400" b="0" dirty="0">
                   <a:solidFill>
                     <a:srgbClr val="FF9933"/>
                   </a:solidFill>
@@ -24146,7 +24162,7 @@
                 </a:rPr>
                 <a:t>e</a:t>
               </a:r>
-              <a:endParaRPr lang="en-US" altLang="ko-KR">
+              <a:endParaRPr lang="en-US" altLang="ko-KR" dirty="0">
                 <a:solidFill>
                   <a:srgbClr val="FF9933"/>
                 </a:solidFill>
@@ -25248,7 +25264,7 @@
                 <a:defRPr/>
               </a:pPr>
               <a:r>
-                <a:rPr lang="en-US" altLang="ko-KR" sz="2400" b="0">
+                <a:rPr lang="en-US" altLang="ko-KR" sz="2400" b="0" dirty="0">
                   <a:solidFill>
                     <a:srgbClr val="FF9933"/>
                   </a:solidFill>
@@ -25261,7 +25277,7 @@
                 </a:rPr>
                 <a:t>b</a:t>
               </a:r>
-              <a:endParaRPr lang="en-US" altLang="ko-KR">
+              <a:endParaRPr lang="en-US" altLang="ko-KR" dirty="0">
                 <a:solidFill>
                   <a:srgbClr val="FF9933"/>
                 </a:solidFill>
@@ -28189,7 +28205,7 @@
             <a:lstStyle/>
             <a:p>
               <a:r>
-                <a:rPr lang="en-US" altLang="ko-KR" sz="2400">
+                <a:rPr lang="en-US" altLang="ko-KR" sz="2400" dirty="0">
                   <a:solidFill>
                     <a:schemeClr val="bg1"/>
                   </a:solidFill>
@@ -28197,7 +28213,7 @@
                 </a:rPr>
                 <a:t>R</a:t>
               </a:r>
-              <a:endParaRPr lang="en-US" altLang="ko-KR">
+              <a:endParaRPr lang="en-US" altLang="ko-KR" dirty="0">
                 <a:solidFill>
                   <a:schemeClr val="bg1"/>
                 </a:solidFill>
@@ -28717,7 +28733,7 @@
             <a:lstStyle/>
             <a:p>
               <a:r>
-                <a:rPr lang="en-US" altLang="ko-KR" sz="2400">
+                <a:rPr lang="en-US" altLang="ko-KR" sz="2400" dirty="0">
                   <a:solidFill>
                     <a:schemeClr val="bg1"/>
                   </a:solidFill>
@@ -28725,7 +28741,7 @@
                 </a:rPr>
                 <a:t>S</a:t>
               </a:r>
-              <a:endParaRPr lang="en-US" altLang="ko-KR">
+              <a:endParaRPr lang="en-US" altLang="ko-KR" dirty="0">
                 <a:solidFill>
                   <a:schemeClr val="bg1"/>
                 </a:solidFill>
@@ -30270,7 +30286,7 @@
             <a:lstStyle/>
             <a:p>
               <a:r>
-                <a:rPr lang="en-US" altLang="ko-KR" sz="2400">
+                <a:rPr lang="en-US" altLang="ko-KR" sz="2400" dirty="0">
                   <a:solidFill>
                     <a:schemeClr val="bg1"/>
                   </a:solidFill>
@@ -30278,7 +30294,7 @@
                 </a:rPr>
                 <a:t>R</a:t>
               </a:r>
-              <a:endParaRPr lang="en-US" altLang="ko-KR">
+              <a:endParaRPr lang="en-US" altLang="ko-KR" dirty="0">
                 <a:solidFill>
                   <a:schemeClr val="bg1"/>
                 </a:solidFill>
@@ -31268,7 +31284,7 @@
                     <a:lstStyle/>
                     <a:p>
                       <a:r>
-                        <a:rPr lang="en-US">
+                        <a:rPr lang="en-US" dirty="0">
                           <a:solidFill>
                             <a:schemeClr val="bg2"/>
                           </a:solidFill>
@@ -31369,7 +31385,7 @@
                     <a:lstStyle/>
                     <a:p>
                       <a:r>
-                        <a:rPr lang="en-US">
+                        <a:rPr lang="en-US" dirty="0">
                           <a:solidFill>
                             <a:schemeClr val="bg2"/>
                           </a:solidFill>
@@ -31470,7 +31486,7 @@
                     <a:lstStyle/>
                     <a:p>
                       <a:r>
-                        <a:rPr lang="en-US">
+                        <a:rPr lang="en-US" dirty="0">
                           <a:solidFill>
                             <a:schemeClr val="bg2"/>
                           </a:solidFill>
@@ -31571,7 +31587,7 @@
                     <a:lstStyle/>
                     <a:p>
                       <a:r>
-                        <a:rPr lang="en-US">
+                        <a:rPr lang="en-US" dirty="0">
                           <a:solidFill>
                             <a:schemeClr val="bg2"/>
                           </a:solidFill>
@@ -31672,7 +31688,7 @@
                     <a:lstStyle/>
                     <a:p>
                       <a:r>
-                        <a:rPr lang="en-US">
+                        <a:rPr lang="en-US" dirty="0">
                           <a:solidFill>
                             <a:schemeClr val="bg2"/>
                           </a:solidFill>
@@ -31960,14 +31976,14 @@
             </a:r>
           </a:p>
           <a:p>
-            <a:pPr lvl="2" eaLnBrk="1" hangingPunct="1">
+            <a:pPr lvl="3" eaLnBrk="1" hangingPunct="1">
               <a:lnSpc>
                 <a:spcPct val="90000"/>
               </a:lnSpc>
               <a:defRPr/>
             </a:pPr>
             <a:r>
-              <a:rPr lang="en-US" altLang="ko-KR" sz="1600" dirty="0">
+              <a:rPr lang="en-US" altLang="ko-KR" sz="1400" dirty="0">
                 <a:latin typeface="Arial" pitchFamily="34" charset="0"/>
                 <a:ea typeface="굴림" pitchFamily="50" charset="-127"/>
                 <a:cs typeface="Arial" pitchFamily="34" charset="0"/>
@@ -31976,14 +31992,14 @@
             </a:r>
           </a:p>
           <a:p>
-            <a:pPr lvl="2" eaLnBrk="1" hangingPunct="1">
+            <a:pPr lvl="3" eaLnBrk="1" hangingPunct="1">
               <a:lnSpc>
                 <a:spcPct val="90000"/>
               </a:lnSpc>
               <a:defRPr/>
             </a:pPr>
             <a:r>
-              <a:rPr lang="en-US" altLang="ko-KR" sz="1600" dirty="0">
+              <a:rPr lang="en-US" altLang="ko-KR" sz="1400" dirty="0">
                 <a:latin typeface="Arial" pitchFamily="34" charset="0"/>
                 <a:ea typeface="굴림" pitchFamily="50" charset="-127"/>
                 <a:cs typeface="Arial" pitchFamily="34" charset="0"/>
@@ -31992,14 +32008,14 @@
             </a:r>
           </a:p>
           <a:p>
-            <a:pPr lvl="2" eaLnBrk="1" hangingPunct="1">
+            <a:pPr lvl="3" eaLnBrk="1" hangingPunct="1">
               <a:lnSpc>
                 <a:spcPct val="90000"/>
               </a:lnSpc>
               <a:defRPr/>
             </a:pPr>
             <a:r>
-              <a:rPr lang="en-US" altLang="ko-KR" sz="1600" dirty="0">
+              <a:rPr lang="en-US" altLang="ko-KR" sz="1400" dirty="0">
                 <a:latin typeface="Arial" pitchFamily="34" charset="0"/>
                 <a:ea typeface="굴림" pitchFamily="50" charset="-127"/>
                 <a:cs typeface="Arial" pitchFamily="34" charset="0"/>
@@ -32008,14 +32024,14 @@
             </a:r>
           </a:p>
           <a:p>
-            <a:pPr lvl="2" eaLnBrk="1" hangingPunct="1">
+            <a:pPr lvl="3" eaLnBrk="1" hangingPunct="1">
               <a:lnSpc>
                 <a:spcPct val="90000"/>
               </a:lnSpc>
               <a:defRPr/>
             </a:pPr>
             <a:r>
-              <a:rPr lang="en-US" altLang="ko-KR" sz="1600" dirty="0">
+              <a:rPr lang="en-US" altLang="ko-KR" sz="1400" dirty="0">
                 <a:latin typeface="Arial" pitchFamily="34" charset="0"/>
                 <a:ea typeface="굴림" pitchFamily="50" charset="-127"/>
                 <a:cs typeface="Arial" pitchFamily="34" charset="0"/>
@@ -35962,7 +35978,7 @@
               <a:defRPr/>
             </a:pPr>
             <a:r>
-              <a:rPr lang="en-US" altLang="ko-KR">
+              <a:rPr lang="en-US" altLang="ko-KR" dirty="0">
                 <a:latin typeface="Arial" pitchFamily="34" charset="0"/>
                 <a:ea typeface="굴림" pitchFamily="50" charset="-127"/>
                 <a:cs typeface="Arial" pitchFamily="34" charset="0"/>
@@ -36886,23 +36902,7 @@
                 <a:ea typeface="굴림" pitchFamily="50" charset="-127"/>
                 <a:cs typeface="Arial" pitchFamily="34" charset="0"/>
               </a:rPr>
-              <a:t>Program volume V</a:t>
-            </a:r>
-            <a:r>
-              <a:rPr lang="en-US" altLang="ko-KR">
-                <a:latin typeface="Arial" pitchFamily="34" charset="0"/>
-                <a:ea typeface="굴림" pitchFamily="50" charset="-127"/>
-                <a:cs typeface="Arial" pitchFamily="34" charset="0"/>
-              </a:rPr>
-              <a:t>= N </a:t>
-            </a:r>
-            <a:r>
-              <a:rPr lang="en-US" altLang="ko-KR" dirty="0">
-                <a:latin typeface="Arial" pitchFamily="34" charset="0"/>
-                <a:ea typeface="굴림" pitchFamily="50" charset="-127"/>
-                <a:cs typeface="Arial" pitchFamily="34" charset="0"/>
-              </a:rPr>
-              <a:t>log</a:t>
+              <a:t>Program volume V= N log</a:t>
             </a:r>
             <a:r>
               <a:rPr lang="en-US" altLang="ko-KR" baseline="-25000" dirty="0">
@@ -40747,7 +40747,7 @@
           <a:lstStyle/>
           <a:p>
             <a:r>
-              <a:rPr lang="en-US" altLang="ko-KR" sz="2400" b="0">
+              <a:rPr lang="en-US" altLang="ko-KR" sz="2400" b="0" dirty="0">
                 <a:solidFill>
                   <a:srgbClr val="003399"/>
                 </a:solidFill>
@@ -40755,7 +40755,7 @@
               </a:rPr>
               <a:t>- number of simple decisions + 1         </a:t>
             </a:r>
-            <a:endParaRPr lang="en-US" altLang="ko-KR">
+            <a:endParaRPr lang="en-US" altLang="ko-KR" dirty="0">
               <a:solidFill>
                 <a:srgbClr val="003399"/>
               </a:solidFill>
@@ -40873,7 +40873,7 @@
           <a:lstStyle/>
           <a:p>
             <a:r>
-              <a:rPr lang="en-US" altLang="ko-KR" sz="2400" b="0">
+              <a:rPr lang="en-US" altLang="ko-KR" sz="2400" b="0" dirty="0">
                 <a:solidFill>
                   <a:srgbClr val="003399"/>
                 </a:solidFill>
@@ -40881,7 +40881,7 @@
               </a:rPr>
               <a:t>- number of enclosed areas + 1</a:t>
             </a:r>
-            <a:endParaRPr lang="en-US" altLang="ko-KR">
+            <a:endParaRPr lang="en-US" altLang="ko-KR" dirty="0">
               <a:solidFill>
                 <a:srgbClr val="003399"/>
               </a:solidFill>
@@ -41165,7 +41165,7 @@
           <a:lstStyle/>
           <a:p>
             <a:r>
-              <a:rPr lang="en-US" altLang="ko-KR" sz="2400" b="0">
+              <a:rPr lang="en-US" altLang="ko-KR" sz="2400" b="0" dirty="0">
                 <a:solidFill>
                   <a:srgbClr val="003399"/>
                 </a:solidFill>
@@ -41173,7 +41173,7 @@
               </a:rPr>
               <a:t>- number of edge – number of node +2p</a:t>
             </a:r>
-            <a:endParaRPr lang="en-US" altLang="ko-KR">
+            <a:endParaRPr lang="en-US" altLang="ko-KR" dirty="0">
               <a:solidFill>
                 <a:srgbClr val="003399"/>
               </a:solidFill>
@@ -43724,7 +43724,7 @@
               <a:defRPr/>
             </a:pPr>
             <a:r>
-              <a:rPr lang="en-US" altLang="ko-KR" sz="2000">
+              <a:rPr lang="en-US" altLang="ko-KR" sz="2000" dirty="0">
                 <a:latin typeface="Arial" pitchFamily="34" charset="0"/>
                 <a:ea typeface="굴림" pitchFamily="50" charset="-127"/>
                 <a:cs typeface="Arial" pitchFamily="34" charset="0"/>
@@ -43743,7 +43743,7 @@
               <a:defRPr/>
             </a:pPr>
             <a:r>
-              <a:rPr lang="en-US" altLang="ko-KR" sz="1800">
+              <a:rPr lang="en-US" altLang="ko-KR" sz="1800" dirty="0">
                 <a:latin typeface="Arial" pitchFamily="34" charset="0"/>
                 <a:ea typeface="굴림" pitchFamily="50" charset="-127"/>
                 <a:cs typeface="Arial" pitchFamily="34" charset="0"/>
@@ -43751,7 +43751,7 @@
               <a:t>establish an explicit measurement </a:t>
             </a:r>
             <a:r>
-              <a:rPr lang="en-US" altLang="ko-KR" sz="1800" i="1">
+              <a:rPr lang="en-US" altLang="ko-KR" sz="1800" i="1" dirty="0">
                 <a:solidFill>
                   <a:srgbClr val="FF0000"/>
                 </a:solidFill>
@@ -43761,7 +43761,7 @@
               </a:rPr>
               <a:t>goal</a:t>
             </a:r>
-            <a:endParaRPr lang="en-US" altLang="ko-KR" sz="1800">
+            <a:endParaRPr lang="en-US" altLang="ko-KR" sz="1800" dirty="0">
               <a:latin typeface="Arial" pitchFamily="34" charset="0"/>
               <a:ea typeface="굴림" pitchFamily="50" charset="-127"/>
               <a:cs typeface="Arial" pitchFamily="34" charset="0"/>
@@ -43778,7 +43778,7 @@
               <a:defRPr/>
             </a:pPr>
             <a:r>
-              <a:rPr lang="en-US" altLang="ko-KR" sz="1800">
+              <a:rPr lang="en-US" altLang="ko-KR" sz="1800" dirty="0">
                 <a:latin typeface="Arial" pitchFamily="34" charset="0"/>
                 <a:ea typeface="굴림" pitchFamily="50" charset="-127"/>
                 <a:cs typeface="Arial" pitchFamily="34" charset="0"/>
@@ -43786,7 +43786,7 @@
               <a:t>define a set of </a:t>
             </a:r>
             <a:r>
-              <a:rPr lang="en-US" altLang="ko-KR" sz="1800" i="1">
+              <a:rPr lang="en-US" altLang="ko-KR" sz="1800" i="1" dirty="0">
                 <a:solidFill>
                   <a:srgbClr val="FF0000"/>
                 </a:solidFill>
@@ -43797,7 +43797,7 @@
               <a:t>questions</a:t>
             </a:r>
             <a:r>
-              <a:rPr lang="en-US" altLang="ko-KR" sz="1800">
+              <a:rPr lang="en-US" altLang="ko-KR" sz="1800" dirty="0">
                 <a:latin typeface="Arial" pitchFamily="34" charset="0"/>
                 <a:ea typeface="굴림" pitchFamily="50" charset="-127"/>
                 <a:cs typeface="Arial" pitchFamily="34" charset="0"/>
@@ -43816,7 +43816,7 @@
               <a:defRPr/>
             </a:pPr>
             <a:r>
-              <a:rPr lang="en-US" altLang="ko-KR" sz="1800">
+              <a:rPr lang="en-US" altLang="ko-KR" sz="1800" dirty="0">
                 <a:latin typeface="Arial" pitchFamily="34" charset="0"/>
                 <a:ea typeface="굴림" pitchFamily="50" charset="-127"/>
                 <a:cs typeface="Arial" pitchFamily="34" charset="0"/>
@@ -43824,7 +43824,7 @@
               <a:t>identify well-formulated</a:t>
             </a:r>
             <a:r>
-              <a:rPr lang="en-US" altLang="ko-KR" sz="1800">
+              <a:rPr lang="en-US" altLang="ko-KR" sz="1800" dirty="0">
                 <a:solidFill>
                   <a:srgbClr val="F3FF07"/>
                 </a:solidFill>
@@ -43835,7 +43835,7 @@
               <a:t> </a:t>
             </a:r>
             <a:r>
-              <a:rPr lang="en-US" altLang="ko-KR" sz="1800" i="1">
+              <a:rPr lang="en-US" altLang="ko-KR" sz="1800" i="1" dirty="0">
                 <a:solidFill>
                   <a:srgbClr val="FF0000"/>
                 </a:solidFill>
@@ -43846,7 +43846,7 @@
               <a:t>metrics</a:t>
             </a:r>
             <a:r>
-              <a:rPr lang="en-US" altLang="ko-KR" sz="1800">
+              <a:rPr lang="en-US" altLang="ko-KR" sz="1800" dirty="0">
                 <a:latin typeface="Arial" pitchFamily="34" charset="0"/>
                 <a:ea typeface="굴림" pitchFamily="50" charset="-127"/>
                 <a:cs typeface="Arial" pitchFamily="34" charset="0"/>
@@ -43865,7 +43865,7 @@
               <a:defRPr/>
             </a:pPr>
             <a:r>
-              <a:rPr lang="en-US" altLang="ko-KR" sz="2000">
+              <a:rPr lang="en-US" altLang="ko-KR" sz="2000" dirty="0">
                 <a:latin typeface="Arial" pitchFamily="34" charset="0"/>
                 <a:ea typeface="굴림" pitchFamily="50" charset="-127"/>
                 <a:cs typeface="Arial" pitchFamily="34" charset="0"/>
@@ -43881,7 +43881,7 @@
               <a:defRPr/>
             </a:pPr>
             <a:r>
-              <a:rPr lang="en-US" altLang="ko-KR" sz="1800">
+              <a:rPr lang="en-US" altLang="ko-KR" sz="1800" dirty="0">
                 <a:solidFill>
                   <a:srgbClr val="FF9933"/>
                 </a:solidFill>
@@ -43892,7 +43892,7 @@
               <a:t>Analyze</a:t>
             </a:r>
             <a:r>
-              <a:rPr lang="en-US" altLang="ko-KR" sz="1800">
+              <a:rPr lang="en-US" altLang="ko-KR" sz="1800" dirty="0">
                 <a:latin typeface="Arial" pitchFamily="34" charset="0"/>
                 <a:ea typeface="굴림" pitchFamily="50" charset="-127"/>
                 <a:cs typeface="Arial" pitchFamily="34" charset="0"/>
@@ -43910,7 +43910,7 @@
               <a:defRPr/>
             </a:pPr>
             <a:r>
-              <a:rPr lang="en-US" altLang="ko-KR" sz="1800">
+              <a:rPr lang="en-US" altLang="ko-KR" sz="1800" dirty="0">
                 <a:latin typeface="Arial" pitchFamily="34" charset="0"/>
                 <a:ea typeface="굴림" pitchFamily="50" charset="-127"/>
                 <a:cs typeface="Arial" pitchFamily="34" charset="0"/>
@@ -43926,7 +43926,7 @@
               <a:defRPr/>
             </a:pPr>
             <a:r>
-              <a:rPr lang="en-US" altLang="ko-KR" sz="1800">
+              <a:rPr lang="en-US" altLang="ko-KR" sz="1800" dirty="0">
                 <a:solidFill>
                   <a:srgbClr val="FF9933"/>
                 </a:solidFill>
@@ -43937,7 +43937,7 @@
               <a:t>for the purpose of</a:t>
             </a:r>
             <a:r>
-              <a:rPr lang="en-US" altLang="ko-KR" sz="1800">
+              <a:rPr lang="en-US" altLang="ko-KR" sz="1800" dirty="0">
                 <a:latin typeface="Arial" pitchFamily="34" charset="0"/>
                 <a:ea typeface="굴림" pitchFamily="50" charset="-127"/>
                 <a:cs typeface="Arial" pitchFamily="34" charset="0"/>
@@ -43955,7 +43955,7 @@
               <a:defRPr/>
             </a:pPr>
             <a:r>
-              <a:rPr lang="en-US" altLang="ko-KR" sz="1800">
+              <a:rPr lang="en-US" altLang="ko-KR" sz="1800" dirty="0">
                 <a:latin typeface="Arial" pitchFamily="34" charset="0"/>
                 <a:ea typeface="굴림" pitchFamily="50" charset="-127"/>
                 <a:cs typeface="Arial" pitchFamily="34" charset="0"/>
@@ -43971,7 +43971,7 @@
               <a:defRPr/>
             </a:pPr>
             <a:r>
-              <a:rPr lang="en-US" altLang="ko-KR" sz="1800">
+              <a:rPr lang="en-US" altLang="ko-KR" sz="1800" dirty="0">
                 <a:solidFill>
                   <a:srgbClr val="FF9933"/>
                 </a:solidFill>
@@ -43982,7 +43982,7 @@
               <a:t>with respect to</a:t>
             </a:r>
             <a:r>
-              <a:rPr lang="en-US" altLang="ko-KR" sz="1800">
+              <a:rPr lang="en-US" altLang="ko-KR" sz="1800" dirty="0">
                 <a:latin typeface="Arial" pitchFamily="34" charset="0"/>
                 <a:ea typeface="굴림" pitchFamily="50" charset="-127"/>
                 <a:cs typeface="Arial" pitchFamily="34" charset="0"/>
@@ -44000,7 +44000,7 @@
               <a:defRPr/>
             </a:pPr>
             <a:r>
-              <a:rPr lang="en-US" altLang="ko-KR" sz="1800">
+              <a:rPr lang="en-US" altLang="ko-KR" sz="1800" dirty="0">
                 <a:latin typeface="Arial" pitchFamily="34" charset="0"/>
                 <a:ea typeface="굴림" pitchFamily="50" charset="-127"/>
                 <a:cs typeface="Arial" pitchFamily="34" charset="0"/>
@@ -44016,7 +44016,7 @@
               <a:defRPr/>
             </a:pPr>
             <a:r>
-              <a:rPr lang="en-US" altLang="ko-KR" sz="1800">
+              <a:rPr lang="en-US" altLang="ko-KR" sz="1800" dirty="0">
                 <a:solidFill>
                   <a:srgbClr val="FF9933"/>
                 </a:solidFill>
@@ -44027,7 +44027,7 @@
               <a:t>from the viewpoint of</a:t>
             </a:r>
             <a:r>
-              <a:rPr lang="en-US" altLang="ko-KR" sz="1800">
+              <a:rPr lang="en-US" altLang="ko-KR" sz="1800" dirty="0">
                 <a:latin typeface="Arial" pitchFamily="34" charset="0"/>
                 <a:ea typeface="굴림" pitchFamily="50" charset="-127"/>
                 <a:cs typeface="Arial" pitchFamily="34" charset="0"/>
@@ -44045,7 +44045,7 @@
               <a:defRPr/>
             </a:pPr>
             <a:r>
-              <a:rPr lang="en-US" altLang="ko-KR" sz="1800">
+              <a:rPr lang="en-US" altLang="ko-KR" sz="1800" dirty="0">
                 <a:latin typeface="Arial" pitchFamily="34" charset="0"/>
                 <a:ea typeface="굴림" pitchFamily="50" charset="-127"/>
                 <a:cs typeface="Arial" pitchFamily="34" charset="0"/>
@@ -44061,7 +44061,7 @@
               <a:defRPr/>
             </a:pPr>
             <a:r>
-              <a:rPr lang="en-US" altLang="ko-KR" sz="1800">
+              <a:rPr lang="en-US" altLang="ko-KR" sz="1800" dirty="0">
                 <a:solidFill>
                   <a:srgbClr val="FF9933"/>
                 </a:solidFill>
@@ -44072,7 +44072,7 @@
               <a:t>in the context of</a:t>
             </a:r>
             <a:r>
-              <a:rPr lang="en-US" altLang="ko-KR" sz="1800">
+              <a:rPr lang="en-US" altLang="ko-KR" sz="1800" dirty="0">
                 <a:latin typeface="Arial" pitchFamily="34" charset="0"/>
                 <a:ea typeface="굴림" pitchFamily="50" charset="-127"/>
                 <a:cs typeface="Arial" pitchFamily="34" charset="0"/>
@@ -44090,7 +44090,7 @@
               <a:defRPr/>
             </a:pPr>
             <a:r>
-              <a:rPr lang="en-US" altLang="ko-KR" sz="1800">
+              <a:rPr lang="en-US" altLang="ko-KR" sz="1800" dirty="0">
                 <a:latin typeface="Arial" pitchFamily="34" charset="0"/>
                 <a:ea typeface="굴림" pitchFamily="50" charset="-127"/>
                 <a:cs typeface="Arial" pitchFamily="34" charset="0"/>
